--- a/projeto_2_geopandas/docs/projeto2.pptx
+++ b/projeto_2_geopandas/docs/projeto2.pptx
@@ -111,6 +111,11 @@
       </a:defRPr>
     </a:lvl9pPr>
   </p:defaultTextStyle>
+  <p:extLst>
+    <p:ext uri="{EFAFB233-063F-42B5-8137-9DF3F51BA10A}">
+      <p15:sldGuideLst xmlns:p15="http://schemas.microsoft.com/office/powerpoint/2012/main"/>
+    </p:ext>
+  </p:extLst>
 </p:presentation>
 </file>
 
@@ -2591,19 +2596,37 @@
               <a:buChar char=""/>
             </a:pPr>
             <a:r>
-              <a:rPr lang="pt-BR" sz="2400" b="0" strike="noStrike" spc="-1">
-                <a:solidFill>
-                  <a:srgbClr val="000000"/>
-                </a:solidFill>
-                <a:latin typeface="Arial"/>
-              </a:rPr>
-              <a:t>Objetivo: Desenvolver um software que baixe os dados do SIRGAS-Con e armazene a série temporal em um formato de geoinformação vetorial.</a:t>
+              <a:rPr lang="pt-BR" sz="2400" b="0" strike="noStrike" spc="-1" dirty="0">
+                <a:solidFill>
+                  <a:srgbClr val="000000"/>
+                </a:solidFill>
+                <a:latin typeface="Arial"/>
+              </a:rPr>
+              <a:t>Objetivo: Desenvolver um software que baixe os dados do SIRGAS-</a:t>
+            </a:r>
+            <a:r>
+              <a:rPr lang="pt-BR" sz="2400" b="0" strike="noStrike" spc="-1" dirty="0" err="1">
+                <a:solidFill>
+                  <a:srgbClr val="000000"/>
+                </a:solidFill>
+                <a:latin typeface="Arial"/>
+              </a:rPr>
+              <a:t>Con</a:t>
+            </a:r>
+            <a:r>
+              <a:rPr lang="pt-BR" sz="2400" b="0" strike="noStrike" spc="-1" dirty="0">
+                <a:solidFill>
+                  <a:srgbClr val="000000"/>
+                </a:solidFill>
+                <a:latin typeface="Arial"/>
+              </a:rPr>
+              <a:t> e armazene a série temporal em um formato de geoinformação vetorial.</a:t>
             </a:r>
             <a:br>
-              <a:rPr sz="2400"/>
+              <a:rPr sz="2400" dirty="0"/>
             </a:br>
             <a:r>
-              <a:rPr lang="pt-BR" sz="2400" b="0" strike="noStrike" spc="-1">
+              <a:rPr lang="pt-BR" sz="2400" b="0" strike="noStrike" spc="-1" dirty="0">
                 <a:solidFill>
                   <a:srgbClr val="000000"/>
                 </a:solidFill>
@@ -2628,13 +2651,31 @@
               <a:buChar char=""/>
             </a:pPr>
             <a:r>
-              <a:rPr lang="pt-BR" sz="2400" b="0" strike="noStrike" spc="-1">
-                <a:solidFill>
-                  <a:srgbClr val="000000"/>
-                </a:solidFill>
-                <a:latin typeface="Arial"/>
-              </a:rPr>
-              <a:t>Entrega: Arquivo zip do código. Carregar no Classroom.</a:t>
+              <a:rPr lang="pt-BR" sz="2400" b="0" strike="noStrike" spc="-1" dirty="0">
+                <a:solidFill>
+                  <a:srgbClr val="000000"/>
+                </a:solidFill>
+                <a:latin typeface="Arial"/>
+              </a:rPr>
+              <a:t>Entrega: Arquivo zip do código. Carregar no </a:t>
+            </a:r>
+            <a:r>
+              <a:rPr lang="pt-BR" sz="2400" b="0" strike="noStrike" spc="-1" dirty="0" err="1">
+                <a:solidFill>
+                  <a:srgbClr val="000000"/>
+                </a:solidFill>
+                <a:latin typeface="Arial"/>
+              </a:rPr>
+              <a:t>Classroom</a:t>
+            </a:r>
+            <a:r>
+              <a:rPr lang="pt-BR" sz="2400" b="0" strike="noStrike" spc="-1" dirty="0">
+                <a:solidFill>
+                  <a:srgbClr val="000000"/>
+                </a:solidFill>
+                <a:latin typeface="Arial"/>
+              </a:rPr>
+              <a:t>.</a:t>
             </a:r>
           </a:p>
           <a:p>
@@ -2650,7 +2691,7 @@
                 <a:tab pos="0" algn="l"/>
               </a:tabLst>
             </a:pPr>
-            <a:endParaRPr lang="pt-BR" sz="2400" b="0" strike="noStrike" spc="-1">
+            <a:endParaRPr lang="pt-BR" sz="2400" b="0" strike="noStrike" spc="-1" dirty="0">
               <a:solidFill>
                 <a:srgbClr val="000000"/>
               </a:solidFill>
@@ -2676,7 +2717,7 @@
               </a:tabLst>
             </a:pPr>
             <a:r>
-              <a:rPr lang="pt-BR" sz="2400" b="0" strike="noStrike" spc="-1">
+              <a:rPr lang="pt-BR" sz="2400" b="0" strike="noStrike" spc="-1" dirty="0">
                 <a:solidFill>
                   <a:srgbClr val="000000"/>
                 </a:solidFill>
@@ -2704,7 +2745,7 @@
               </a:tabLst>
             </a:pPr>
             <a:r>
-              <a:rPr lang="pt-BR" sz="2200" b="0" strike="noStrike" spc="-1">
+              <a:rPr lang="pt-BR" sz="2200" b="0" strike="noStrike" spc="-1" dirty="0">
                 <a:solidFill>
                   <a:srgbClr val="000000"/>
                 </a:solidFill>
@@ -2732,7 +2773,7 @@
               </a:tabLst>
             </a:pPr>
             <a:r>
-              <a:rPr lang="pt-BR" sz="2200" b="0" strike="noStrike" spc="-1">
+              <a:rPr lang="pt-BR" sz="2200" b="0" strike="noStrike" spc="-1" dirty="0">
                 <a:solidFill>
                   <a:srgbClr val="000000"/>
                 </a:solidFill>
@@ -2760,7 +2801,7 @@
               </a:tabLst>
             </a:pPr>
             <a:r>
-              <a:rPr lang="pt-BR" sz="2200" b="0" strike="noStrike" spc="-1">
+              <a:rPr lang="pt-BR" sz="2200" b="0" strike="noStrike" spc="-1" dirty="0">
                 <a:solidFill>
                   <a:srgbClr val="000000"/>
                 </a:solidFill>
@@ -2788,7 +2829,7 @@
               </a:tabLst>
             </a:pPr>
             <a:r>
-              <a:rPr lang="pt-BR" sz="2200" b="0" strike="noStrike" spc="-1">
+              <a:rPr lang="pt-BR" sz="2200" b="0" strike="noStrike" spc="-1" dirty="0">
                 <a:solidFill>
                   <a:srgbClr val="000000"/>
                 </a:solidFill>
@@ -4057,7 +4098,7 @@
         </p:nvSpPr>
         <p:spPr>
           <a:xfrm>
-            <a:off x="416560" y="2021840"/>
+            <a:off x="5329397" y="2021840"/>
             <a:ext cx="1980840" cy="923330"/>
           </a:xfrm>
           <a:prstGeom prst="rect">
@@ -4263,7 +4304,7 @@
         </p:nvSpPr>
         <p:spPr>
           <a:xfrm>
-            <a:off x="2577280" y="2021840"/>
+            <a:off x="5329397" y="3207967"/>
             <a:ext cx="1980840" cy="923330"/>
           </a:xfrm>
           <a:prstGeom prst="rect">

--- a/projeto_2_geopandas/docs/projeto2.pptx
+++ b/projeto_2_geopandas/docs/projeto2.pptx
@@ -3790,7 +3790,7 @@
         </p:nvSpPr>
         <p:spPr>
           <a:xfrm>
-            <a:off x="4881405" y="1637821"/>
+            <a:off x="2799096" y="1641275"/>
             <a:ext cx="360" cy="4860000"/>
           </a:xfrm>
           <a:prstGeom prst="line">
@@ -4098,7 +4098,7 @@
         </p:nvSpPr>
         <p:spPr>
           <a:xfrm>
-            <a:off x="5329397" y="2021840"/>
+            <a:off x="5329397" y="1798920"/>
             <a:ext cx="1980840" cy="923330"/>
           </a:xfrm>
           <a:prstGeom prst="rect">
@@ -4144,7 +4144,7 @@
         </p:nvSpPr>
         <p:spPr>
           <a:xfrm>
-            <a:off x="416560" y="3183330"/>
+            <a:off x="5350248" y="3905060"/>
             <a:ext cx="1980840" cy="646331"/>
           </a:xfrm>
           <a:prstGeom prst="rect">
@@ -4200,7 +4200,7 @@
         </p:nvSpPr>
         <p:spPr>
           <a:xfrm>
-            <a:off x="416560" y="4067821"/>
+            <a:off x="5370568" y="4681131"/>
             <a:ext cx="1980840" cy="923330"/>
           </a:xfrm>
           <a:prstGeom prst="rect">
@@ -4252,7 +4252,7 @@
         </p:nvSpPr>
         <p:spPr>
           <a:xfrm>
-            <a:off x="416560" y="5229311"/>
+            <a:off x="3033048" y="1798920"/>
             <a:ext cx="1980840" cy="646331"/>
           </a:xfrm>
           <a:prstGeom prst="rect">
@@ -4304,7 +4304,7 @@
         </p:nvSpPr>
         <p:spPr>
           <a:xfrm>
-            <a:off x="5329397" y="3207967"/>
+            <a:off x="5329397" y="2851990"/>
             <a:ext cx="1980840" cy="923330"/>
           </a:xfrm>
           <a:prstGeom prst="rect">
@@ -4356,7 +4356,7 @@
         </p:nvSpPr>
         <p:spPr>
           <a:xfrm>
-            <a:off x="416560" y="6072709"/>
+            <a:off x="3033048" y="2851990"/>
             <a:ext cx="1980840" cy="646331"/>
           </a:xfrm>
           <a:prstGeom prst="rect">

--- a/projeto_2_geopandas/docs/projeto2.pptx
+++ b/projeto_2_geopandas/docs/projeto2.pptx
@@ -3947,7 +3947,7 @@
         </p:nvSpPr>
         <p:spPr>
           <a:xfrm>
-            <a:off x="5676608" y="1400123"/>
+            <a:off x="4561108" y="1375130"/>
             <a:ext cx="1618920" cy="358920"/>
           </a:xfrm>
           <a:prstGeom prst="rect">
@@ -3976,7 +3976,7 @@
           </a:bodyPr>
           <a:lstStyle/>
           <a:p>
-            <a:pPr>
+            <a:pPr algn="ctr">
               <a:lnSpc>
                 <a:spcPct val="100000"/>
               </a:lnSpc>
@@ -4008,7 +4008,7 @@
         </p:nvSpPr>
         <p:spPr>
           <a:xfrm>
-            <a:off x="8820000" y="1440000"/>
+            <a:off x="9392904" y="1375130"/>
             <a:ext cx="1618920" cy="358920"/>
           </a:xfrm>
           <a:prstGeom prst="rect">
@@ -4037,7 +4037,7 @@
           </a:bodyPr>
           <a:lstStyle/>
           <a:p>
-            <a:pPr>
+            <a:pPr algn="ctr">
               <a:lnSpc>
                 <a:spcPct val="100000"/>
               </a:lnSpc>

--- a/projeto_2_geopandas/docs/projeto2.pptx
+++ b/projeto_2_geopandas/docs/projeto2.pptx
@@ -3159,7 +3159,7 @@
         </p:spPr>
         <p:txBody>
           <a:bodyPr lIns="0" tIns="0" rIns="0" bIns="0" anchor="t">
-            <a:normAutofit fontScale="79166" lnSpcReduction="20000"/>
+            <a:normAutofit fontScale="71666" lnSpcReduction="20000"/>
           </a:bodyPr>
           <a:lstStyle/>
           <a:p>
